--- a/기획/마녀 UI 기획.pptx
+++ b/기획/마녀 UI 기획.pptx
@@ -5,11 +5,14 @@
     <p:sldMasterId id="2147483648" r:id="rId1"/>
   </p:sldMasterIdLst>
   <p:notesMasterIdLst>
-    <p:notesMasterId r:id="rId4"/>
+    <p:notesMasterId r:id="rId7"/>
   </p:notesMasterIdLst>
   <p:sldIdLst>
     <p:sldId id="274" r:id="rId2"/>
     <p:sldId id="275" r:id="rId3"/>
+    <p:sldId id="282" r:id="rId4"/>
+    <p:sldId id="277" r:id="rId5"/>
+    <p:sldId id="281" r:id="rId6"/>
   </p:sldIdLst>
   <p:sldSz cx="9144000" cy="6858000" type="screen4x3"/>
   <p:notesSz cx="6858000" cy="9144000"/>
@@ -193,7 +196,7 @@
           <a:p>
             <a:fld id="{E63A3B22-099A-4E5A-9D77-77408E755F2C}" type="datetimeFigureOut">
               <a:rPr lang="ko-KR" altLang="en-US" smtClean="0"/>
-              <a:t>2021-02-21</a:t>
+              <a:t>2021-05-09</a:t>
             </a:fld>
             <a:endParaRPr lang="ko-KR" altLang="en-US"/>
           </a:p>
@@ -642,7 +645,7 @@
           <a:p>
             <a:fld id="{A78AE51A-06DC-4282-92CC-B97537DA360A}" type="datetime1">
               <a:rPr lang="ko-KR" altLang="en-US" smtClean="0"/>
-              <a:t>2021-02-21</a:t>
+              <a:t>2021-05-09</a:t>
             </a:fld>
             <a:endParaRPr lang="ko-KR" altLang="en-US"/>
           </a:p>
@@ -807,7 +810,7 @@
           <a:p>
             <a:fld id="{1B42D9F4-0C0A-4742-A39E-9AF2D3EF2674}" type="datetime1">
               <a:rPr lang="ko-KR" altLang="en-US" smtClean="0"/>
-              <a:t>2021-02-21</a:t>
+              <a:t>2021-05-09</a:t>
             </a:fld>
             <a:endParaRPr lang="ko-KR" altLang="en-US"/>
           </a:p>
@@ -982,7 +985,7 @@
           <a:p>
             <a:fld id="{190E84C3-FB0B-4FFD-8217-BCEFBAB498B2}" type="datetime1">
               <a:rPr lang="ko-KR" altLang="en-US" smtClean="0"/>
-              <a:t>2021-02-21</a:t>
+              <a:t>2021-05-09</a:t>
             </a:fld>
             <a:endParaRPr lang="ko-KR" altLang="en-US"/>
           </a:p>
@@ -1147,7 +1150,7 @@
           <a:p>
             <a:fld id="{71F0D684-9211-4BB3-AE33-541620702F13}" type="datetime1">
               <a:rPr lang="ko-KR" altLang="en-US" smtClean="0"/>
-              <a:t>2021-02-21</a:t>
+              <a:t>2021-05-09</a:t>
             </a:fld>
             <a:endParaRPr lang="ko-KR" altLang="en-US"/>
           </a:p>
@@ -1388,7 +1391,7 @@
           <a:p>
             <a:fld id="{7DBB057F-9C32-4E23-8866-274E3D2FBB9E}" type="datetime1">
               <a:rPr lang="ko-KR" altLang="en-US" smtClean="0"/>
-              <a:t>2021-02-21</a:t>
+              <a:t>2021-05-09</a:t>
             </a:fld>
             <a:endParaRPr lang="ko-KR" altLang="en-US"/>
           </a:p>
@@ -1671,7 +1674,7 @@
           <a:p>
             <a:fld id="{C064E6B2-4777-46EF-90A3-8FDD12257007}" type="datetime1">
               <a:rPr lang="ko-KR" altLang="en-US" smtClean="0"/>
-              <a:t>2021-02-21</a:t>
+              <a:t>2021-05-09</a:t>
             </a:fld>
             <a:endParaRPr lang="ko-KR" altLang="en-US"/>
           </a:p>
@@ -2088,7 +2091,7 @@
           <a:p>
             <a:fld id="{5F4A8D6B-964A-41D5-B2B5-8EC2BE068F0E}" type="datetime1">
               <a:rPr lang="ko-KR" altLang="en-US" smtClean="0"/>
-              <a:t>2021-02-21</a:t>
+              <a:t>2021-05-09</a:t>
             </a:fld>
             <a:endParaRPr lang="ko-KR" altLang="en-US"/>
           </a:p>
@@ -2201,7 +2204,7 @@
           <a:p>
             <a:fld id="{F8B5B777-848C-429F-90D7-54BBCFB80277}" type="datetime1">
               <a:rPr lang="ko-KR" altLang="en-US" smtClean="0"/>
-              <a:t>2021-02-21</a:t>
+              <a:t>2021-05-09</a:t>
             </a:fld>
             <a:endParaRPr lang="ko-KR" altLang="en-US"/>
           </a:p>
@@ -2291,7 +2294,7 @@
           <a:p>
             <a:fld id="{B98CC22A-1B6B-4E66-8E8E-CF7668552666}" type="datetime1">
               <a:rPr lang="ko-KR" altLang="en-US" smtClean="0"/>
-              <a:t>2021-02-21</a:t>
+              <a:t>2021-05-09</a:t>
             </a:fld>
             <a:endParaRPr lang="ko-KR" altLang="en-US"/>
           </a:p>
@@ -2563,7 +2566,7 @@
           <a:p>
             <a:fld id="{0837B0C9-D1D7-4518-BDDE-685556510BA9}" type="datetime1">
               <a:rPr lang="ko-KR" altLang="en-US" smtClean="0"/>
-              <a:t>2021-02-21</a:t>
+              <a:t>2021-05-09</a:t>
             </a:fld>
             <a:endParaRPr lang="ko-KR" altLang="en-US"/>
           </a:p>
@@ -2811,7 +2814,7 @@
           <a:p>
             <a:fld id="{7A1BBFC5-F99B-488F-BD87-8AE5C8A1E6C4}" type="datetime1">
               <a:rPr lang="ko-KR" altLang="en-US" smtClean="0"/>
-              <a:t>2021-02-21</a:t>
+              <a:t>2021-05-09</a:t>
             </a:fld>
             <a:endParaRPr lang="ko-KR" altLang="en-US"/>
           </a:p>
@@ -3019,7 +3022,7 @@
           <a:p>
             <a:fld id="{AE0D7B85-34E4-42D3-9F47-B8C7A594B59D}" type="datetime1">
               <a:rPr lang="ko-KR" altLang="en-US" smtClean="0"/>
-              <a:t>2021-02-21</a:t>
+              <a:t>2021-05-09</a:t>
             </a:fld>
             <a:endParaRPr lang="ko-KR" altLang="en-US"/>
           </a:p>
@@ -4714,7 +4717,6 @@
                         <a:rPr lang="en-US" altLang="ko-KR" sz="1100" baseline="0" dirty="0" smtClean="0"/>
                         <a:t>)</a:t>
                       </a:r>
-                      <a:endParaRPr lang="en-US" altLang="ko-KR" sz="1100" baseline="0" dirty="0" smtClean="0"/>
                     </a:p>
                   </a:txBody>
                   <a:tcPr/>
@@ -5047,6 +5049,930 @@
     <p:extLst>
       <p:ext uri="{BB962C8B-B14F-4D97-AF65-F5344CB8AC3E}">
         <p14:creationId xmlns:p14="http://schemas.microsoft.com/office/powerpoint/2010/main" val="1010614373"/>
+      </p:ext>
+    </p:extLst>
+  </p:cSld>
+  <p:clrMapOvr>
+    <a:masterClrMapping/>
+  </p:clrMapOvr>
+</p:sld>
+</file>
+
+<file path=ppt/slides/slide3.xml><?xml version="1.0" encoding="utf-8"?>
+<p:sld xmlns:a="http://schemas.openxmlformats.org/drawingml/2006/main" xmlns:r="http://schemas.openxmlformats.org/officeDocument/2006/relationships" xmlns:p="http://schemas.openxmlformats.org/presentationml/2006/main">
+  <p:cSld>
+    <p:spTree>
+      <p:nvGrpSpPr>
+        <p:cNvPr id="1" name=""/>
+        <p:cNvGrpSpPr/>
+        <p:nvPr/>
+      </p:nvGrpSpPr>
+      <p:grpSpPr>
+        <a:xfrm>
+          <a:off x="0" y="0"/>
+          <a:ext cx="0" cy="0"/>
+          <a:chOff x="0" y="0"/>
+          <a:chExt cx="0" cy="0"/>
+        </a:xfrm>
+      </p:grpSpPr>
+      <p:sp>
+        <p:nvSpPr>
+          <p:cNvPr id="2" name="슬라이드 번호 개체 틀 1"/>
+          <p:cNvSpPr>
+            <a:spLocks noGrp="1"/>
+          </p:cNvSpPr>
+          <p:nvPr>
+            <p:ph type="sldNum" sz="quarter" idx="12"/>
+          </p:nvPr>
+        </p:nvSpPr>
+        <p:spPr/>
+        <p:txBody>
+          <a:bodyPr/>
+          <a:lstStyle/>
+          <a:p>
+            <a:fld id="{4BEDD84E-25D4-4983-8AA1-2863C96F08D9}" type="slidenum">
+              <a:rPr lang="ko-KR" altLang="en-US" smtClean="0"/>
+              <a:t>3</a:t>
+            </a:fld>
+            <a:endParaRPr lang="ko-KR" altLang="en-US"/>
+          </a:p>
+        </p:txBody>
+      </p:sp>
+      <p:pic>
+        <p:nvPicPr>
+          <p:cNvPr id="4" name="Picture 2" descr="C:\Users\hyun\Pictures\새 폴더 (2)\a3d6a07fae744247a487264fdd671ea2.jpg"/>
+          <p:cNvPicPr>
+            <a:picLocks noChangeAspect="1" noChangeArrowheads="1"/>
+          </p:cNvPicPr>
+          <p:nvPr/>
+        </p:nvPicPr>
+        <p:blipFill rotWithShape="1">
+          <a:blip r:embed="rId2">
+            <a:extLst>
+              <a:ext uri="{28A0092B-C50C-407E-A947-70E740481C1C}">
+                <a14:useLocalDpi xmlns:a14="http://schemas.microsoft.com/office/drawing/2010/main" val="0"/>
+              </a:ext>
+            </a:extLst>
+          </a:blip>
+          <a:srcRect l="22620" t="11368" r="21793" b="15727"/>
+          <a:stretch/>
+        </p:blipFill>
+        <p:spPr bwMode="auto">
+          <a:xfrm>
+            <a:off x="0" y="649928"/>
+            <a:ext cx="9144000" cy="6235456"/>
+          </a:xfrm>
+          <a:prstGeom prst="rect">
+            <a:avLst/>
+          </a:prstGeom>
+          <a:noFill/>
+          <a:extLst>
+            <a:ext uri="{909E8E84-426E-40DD-AFC4-6F175D3DCCD1}">
+              <a14:hiddenFill xmlns:a14="http://schemas.microsoft.com/office/drawing/2010/main">
+                <a:solidFill>
+                  <a:srgbClr val="FFFFFF"/>
+                </a:solidFill>
+              </a14:hiddenFill>
+            </a:ext>
+          </a:extLst>
+        </p:spPr>
+      </p:pic>
+      <p:pic>
+        <p:nvPicPr>
+          <p:cNvPr id="1026" name="Picture 2" descr="C:\Users\hyun\Pictures\마녀 편의점\캡처11.PNG"/>
+          <p:cNvPicPr>
+            <a:picLocks noChangeAspect="1" noChangeArrowheads="1"/>
+          </p:cNvPicPr>
+          <p:nvPr/>
+        </p:nvPicPr>
+        <p:blipFill>
+          <a:blip r:embed="rId3">
+            <a:extLst>
+              <a:ext uri="{28A0092B-C50C-407E-A947-70E740481C1C}">
+                <a14:useLocalDpi xmlns:a14="http://schemas.microsoft.com/office/drawing/2010/main" val="0"/>
+              </a:ext>
+            </a:extLst>
+          </a:blip>
+          <a:srcRect/>
+          <a:stretch>
+            <a:fillRect/>
+          </a:stretch>
+        </p:blipFill>
+        <p:spPr bwMode="auto">
+          <a:xfrm>
+            <a:off x="12219" y="0"/>
+            <a:ext cx="9144000" cy="1124744"/>
+          </a:xfrm>
+          <a:prstGeom prst="rect">
+            <a:avLst/>
+          </a:prstGeom>
+          <a:noFill/>
+          <a:extLst>
+            <a:ext uri="{909E8E84-426E-40DD-AFC4-6F175D3DCCD1}">
+              <a14:hiddenFill xmlns:a14="http://schemas.microsoft.com/office/drawing/2010/main">
+                <a:solidFill>
+                  <a:srgbClr val="FFFFFF"/>
+                </a:solidFill>
+              </a14:hiddenFill>
+            </a:ext>
+          </a:extLst>
+        </p:spPr>
+      </p:pic>
+      <p:sp>
+        <p:nvSpPr>
+          <p:cNvPr id="3" name="직사각형 2"/>
+          <p:cNvSpPr/>
+          <p:nvPr/>
+        </p:nvSpPr>
+        <p:spPr>
+          <a:xfrm>
+            <a:off x="1187624" y="28662"/>
+            <a:ext cx="2664296" cy="1024074"/>
+          </a:xfrm>
+          <a:prstGeom prst="rect">
+            <a:avLst/>
+          </a:prstGeom>
+          <a:solidFill>
+            <a:schemeClr val="accent3">
+              <a:lumMod val="20000"/>
+              <a:lumOff val="80000"/>
+            </a:schemeClr>
+          </a:solidFill>
+        </p:spPr>
+        <p:style>
+          <a:lnRef idx="2">
+            <a:schemeClr val="accent1">
+              <a:shade val="50000"/>
+            </a:schemeClr>
+          </a:lnRef>
+          <a:fillRef idx="1">
+            <a:schemeClr val="accent1"/>
+          </a:fillRef>
+          <a:effectRef idx="0">
+            <a:schemeClr val="accent1"/>
+          </a:effectRef>
+          <a:fontRef idx="minor">
+            <a:schemeClr val="lt1"/>
+          </a:fontRef>
+        </p:style>
+        <p:txBody>
+          <a:bodyPr rtlCol="0" anchor="ctr"/>
+          <a:lstStyle/>
+          <a:p>
+            <a:pPr algn="ctr"/>
+            <a:endParaRPr lang="ko-KR" altLang="en-US"/>
+          </a:p>
+        </p:txBody>
+      </p:sp>
+      <p:pic>
+        <p:nvPicPr>
+          <p:cNvPr id="2050" name="Picture 2" descr="C:\Users\hyun\Pictures\마녀 편의점\41198586-청소-아이콘.jpg"/>
+          <p:cNvPicPr>
+            <a:picLocks noChangeAspect="1" noChangeArrowheads="1"/>
+          </p:cNvPicPr>
+          <p:nvPr/>
+        </p:nvPicPr>
+        <p:blipFill rotWithShape="1">
+          <a:blip r:embed="rId4" cstate="print">
+            <a:extLst>
+              <a:ext uri="{28A0092B-C50C-407E-A947-70E740481C1C}">
+                <a14:useLocalDpi xmlns:a14="http://schemas.microsoft.com/office/drawing/2010/main" val="0"/>
+              </a:ext>
+            </a:extLst>
+          </a:blip>
+          <a:srcRect l="5913" t="587" r="71011" b="72818"/>
+          <a:stretch/>
+        </p:blipFill>
+        <p:spPr bwMode="auto">
+          <a:xfrm>
+            <a:off x="1262457" y="75982"/>
+            <a:ext cx="285207" cy="328682"/>
+          </a:xfrm>
+          <a:prstGeom prst="rect">
+            <a:avLst/>
+          </a:prstGeom>
+          <a:noFill/>
+          <a:extLst>
+            <a:ext uri="{909E8E84-426E-40DD-AFC4-6F175D3DCCD1}">
+              <a14:hiddenFill xmlns:a14="http://schemas.microsoft.com/office/drawing/2010/main">
+                <a:solidFill>
+                  <a:srgbClr val="FFFFFF"/>
+                </a:solidFill>
+              </a14:hiddenFill>
+            </a:ext>
+          </a:extLst>
+        </p:spPr>
+      </p:pic>
+      <p:sp>
+        <p:nvSpPr>
+          <p:cNvPr id="7" name="TextBox 6"/>
+          <p:cNvSpPr txBox="1"/>
+          <p:nvPr/>
+        </p:nvSpPr>
+        <p:spPr>
+          <a:xfrm>
+            <a:off x="1577558" y="44624"/>
+            <a:ext cx="618178" cy="369332"/>
+          </a:xfrm>
+          <a:prstGeom prst="rect">
+            <a:avLst/>
+          </a:prstGeom>
+          <a:noFill/>
+        </p:spPr>
+        <p:txBody>
+          <a:bodyPr wrap="square" rtlCol="0">
+            <a:spAutoFit/>
+          </a:bodyPr>
+          <a:lstStyle/>
+          <a:p>
+            <a:pPr algn="ctr"/>
+            <a:r>
+              <a:rPr lang="en-US" altLang="ko-KR" dirty="0" smtClean="0"/>
+              <a:t>999</a:t>
+            </a:r>
+            <a:endParaRPr lang="ko-KR" altLang="en-US" dirty="0"/>
+          </a:p>
+        </p:txBody>
+      </p:sp>
+      <p:pic>
+        <p:nvPicPr>
+          <p:cNvPr id="2051" name="Picture 3" descr="C:\Users\hyun\Pictures\마녀 편의점\다운로드.png"/>
+          <p:cNvPicPr>
+            <a:picLocks noChangeAspect="1" noChangeArrowheads="1"/>
+          </p:cNvPicPr>
+          <p:nvPr/>
+        </p:nvPicPr>
+        <p:blipFill>
+          <a:blip r:embed="rId5" cstate="print">
+            <a:extLst>
+              <a:ext uri="{28A0092B-C50C-407E-A947-70E740481C1C}">
+                <a14:useLocalDpi xmlns:a14="http://schemas.microsoft.com/office/drawing/2010/main" val="0"/>
+              </a:ext>
+            </a:extLst>
+          </a:blip>
+          <a:srcRect/>
+          <a:stretch>
+            <a:fillRect/>
+          </a:stretch>
+        </p:blipFill>
+        <p:spPr bwMode="auto">
+          <a:xfrm>
+            <a:off x="1235719" y="562372"/>
+            <a:ext cx="341839" cy="341839"/>
+          </a:xfrm>
+          <a:prstGeom prst="rect">
+            <a:avLst/>
+          </a:prstGeom>
+          <a:noFill/>
+          <a:extLst>
+            <a:ext uri="{909E8E84-426E-40DD-AFC4-6F175D3DCCD1}">
+              <a14:hiddenFill xmlns:a14="http://schemas.microsoft.com/office/drawing/2010/main">
+                <a:solidFill>
+                  <a:srgbClr val="FFFFFF"/>
+                </a:solidFill>
+              </a14:hiddenFill>
+            </a:ext>
+          </a:extLst>
+        </p:spPr>
+      </p:pic>
+      <p:sp>
+        <p:nvSpPr>
+          <p:cNvPr id="11" name="TextBox 10"/>
+          <p:cNvSpPr txBox="1"/>
+          <p:nvPr/>
+        </p:nvSpPr>
+        <p:spPr>
+          <a:xfrm>
+            <a:off x="1577558" y="548680"/>
+            <a:ext cx="618178" cy="369332"/>
+          </a:xfrm>
+          <a:prstGeom prst="rect">
+            <a:avLst/>
+          </a:prstGeom>
+          <a:noFill/>
+        </p:spPr>
+        <p:txBody>
+          <a:bodyPr wrap="square" rtlCol="0">
+            <a:spAutoFit/>
+          </a:bodyPr>
+          <a:lstStyle/>
+          <a:p>
+            <a:pPr algn="ctr"/>
+            <a:r>
+              <a:rPr lang="en-US" altLang="ko-KR" dirty="0" smtClean="0"/>
+              <a:t>999</a:t>
+            </a:r>
+            <a:endParaRPr lang="ko-KR" altLang="en-US" dirty="0"/>
+          </a:p>
+        </p:txBody>
+      </p:sp>
+      <p:sp>
+        <p:nvSpPr>
+          <p:cNvPr id="8" name="직사각형 7"/>
+          <p:cNvSpPr/>
+          <p:nvPr/>
+        </p:nvSpPr>
+        <p:spPr>
+          <a:xfrm>
+            <a:off x="3851920" y="44624"/>
+            <a:ext cx="1584176" cy="1050422"/>
+          </a:xfrm>
+          <a:prstGeom prst="rect">
+            <a:avLst/>
+          </a:prstGeom>
+          <a:noFill/>
+        </p:spPr>
+        <p:style>
+          <a:lnRef idx="2">
+            <a:schemeClr val="accent1">
+              <a:shade val="50000"/>
+            </a:schemeClr>
+          </a:lnRef>
+          <a:fillRef idx="1">
+            <a:schemeClr val="accent1"/>
+          </a:fillRef>
+          <a:effectRef idx="0">
+            <a:schemeClr val="accent1"/>
+          </a:effectRef>
+          <a:fontRef idx="minor">
+            <a:schemeClr val="lt1"/>
+          </a:fontRef>
+        </p:style>
+        <p:txBody>
+          <a:bodyPr rtlCol="0" anchor="ctr"/>
+          <a:lstStyle/>
+          <a:p>
+            <a:pPr algn="ctr"/>
+            <a:endParaRPr lang="ko-KR" altLang="en-US"/>
+          </a:p>
+        </p:txBody>
+      </p:sp>
+      <p:pic>
+        <p:nvPicPr>
+          <p:cNvPr id="6" name="Picture 3" descr="C:\Users\hyun\Pictures\마녀 편의점\시계.jpg"/>
+          <p:cNvPicPr>
+            <a:picLocks noChangeAspect="1" noChangeArrowheads="1"/>
+          </p:cNvPicPr>
+          <p:nvPr/>
+        </p:nvPicPr>
+        <p:blipFill rotWithShape="1">
+          <a:blip r:embed="rId6">
+            <a:extLst>
+              <a:ext uri="{BEBA8EAE-BF5A-486C-A8C5-ECC9F3942E4B}">
+                <a14:imgProps xmlns:a14="http://schemas.microsoft.com/office/drawing/2010/main">
+                  <a14:imgLayer r:embed="rId7">
+                    <a14:imgEffect>
+                      <a14:backgroundRemoval t="39492" b="65012" l="3000" r="19077"/>
+                    </a14:imgEffect>
+                  </a14:imgLayer>
+                </a14:imgProps>
+              </a:ext>
+              <a:ext uri="{28A0092B-C50C-407E-A947-70E740481C1C}">
+                <a14:useLocalDpi xmlns:a14="http://schemas.microsoft.com/office/drawing/2010/main" val="0"/>
+              </a:ext>
+            </a:extLst>
+          </a:blip>
+          <a:srcRect l="3135" t="41429" r="82687" b="36613"/>
+          <a:stretch/>
+        </p:blipFill>
+        <p:spPr bwMode="auto">
+          <a:xfrm>
+            <a:off x="4269213" y="608076"/>
+            <a:ext cx="780065" cy="804700"/>
+          </a:xfrm>
+          <a:prstGeom prst="rect">
+            <a:avLst/>
+          </a:prstGeom>
+          <a:noFill/>
+          <a:extLst>
+            <a:ext uri="{909E8E84-426E-40DD-AFC4-6F175D3DCCD1}">
+              <a14:hiddenFill xmlns:a14="http://schemas.microsoft.com/office/drawing/2010/main">
+                <a:solidFill>
+                  <a:srgbClr val="FFFFFF"/>
+                </a:solidFill>
+              </a14:hiddenFill>
+            </a:ext>
+          </a:extLst>
+        </p:spPr>
+      </p:pic>
+      <p:pic>
+        <p:nvPicPr>
+          <p:cNvPr id="2052" name="Picture 4" descr="C:\Users\hyun\Pictures\마녀 편의점\33530502-쇼핑백-아이콘.jpg"/>
+          <p:cNvPicPr>
+            <a:picLocks noChangeAspect="1" noChangeArrowheads="1"/>
+          </p:cNvPicPr>
+          <p:nvPr/>
+        </p:nvPicPr>
+        <p:blipFill>
+          <a:blip r:embed="rId8" cstate="print">
+            <a:extLst>
+              <a:ext uri="{28A0092B-C50C-407E-A947-70E740481C1C}">
+                <a14:useLocalDpi xmlns:a14="http://schemas.microsoft.com/office/drawing/2010/main" val="0"/>
+              </a:ext>
+            </a:extLst>
+          </a:blip>
+          <a:srcRect/>
+          <a:stretch>
+            <a:fillRect/>
+          </a:stretch>
+        </p:blipFill>
+        <p:spPr bwMode="auto">
+          <a:xfrm>
+            <a:off x="2267744" y="107340"/>
+            <a:ext cx="330978" cy="369332"/>
+          </a:xfrm>
+          <a:prstGeom prst="rect">
+            <a:avLst/>
+          </a:prstGeom>
+          <a:noFill/>
+          <a:extLst>
+            <a:ext uri="{909E8E84-426E-40DD-AFC4-6F175D3DCCD1}">
+              <a14:hiddenFill xmlns:a14="http://schemas.microsoft.com/office/drawing/2010/main">
+                <a:solidFill>
+                  <a:srgbClr val="FFFFFF"/>
+                </a:solidFill>
+              </a14:hiddenFill>
+            </a:ext>
+          </a:extLst>
+        </p:spPr>
+      </p:pic>
+      <p:sp>
+        <p:nvSpPr>
+          <p:cNvPr id="14" name="TextBox 13"/>
+          <p:cNvSpPr txBox="1"/>
+          <p:nvPr/>
+        </p:nvSpPr>
+        <p:spPr>
+          <a:xfrm>
+            <a:off x="2699792" y="107340"/>
+            <a:ext cx="618178" cy="369332"/>
+          </a:xfrm>
+          <a:prstGeom prst="rect">
+            <a:avLst/>
+          </a:prstGeom>
+          <a:noFill/>
+        </p:spPr>
+        <p:txBody>
+          <a:bodyPr wrap="square" rtlCol="0">
+            <a:spAutoFit/>
+          </a:bodyPr>
+          <a:lstStyle/>
+          <a:p>
+            <a:pPr algn="ctr"/>
+            <a:r>
+              <a:rPr lang="en-US" altLang="ko-KR" dirty="0" smtClean="0"/>
+              <a:t>999</a:t>
+            </a:r>
+            <a:endParaRPr lang="ko-KR" altLang="en-US" dirty="0"/>
+          </a:p>
+        </p:txBody>
+      </p:sp>
+      <p:pic>
+        <p:nvPicPr>
+          <p:cNvPr id="2054" name="Picture 6" descr="C:\Users\hyun\Pictures\마녀 편의점\potted-plant.png"/>
+          <p:cNvPicPr>
+            <a:picLocks noChangeAspect="1" noChangeArrowheads="1"/>
+          </p:cNvPicPr>
+          <p:nvPr/>
+        </p:nvPicPr>
+        <p:blipFill>
+          <a:blip r:embed="rId9" cstate="print">
+            <a:extLst>
+              <a:ext uri="{28A0092B-C50C-407E-A947-70E740481C1C}">
+                <a14:useLocalDpi xmlns:a14="http://schemas.microsoft.com/office/drawing/2010/main" val="0"/>
+              </a:ext>
+            </a:extLst>
+          </a:blip>
+          <a:srcRect/>
+          <a:stretch>
+            <a:fillRect/>
+          </a:stretch>
+        </p:blipFill>
+        <p:spPr bwMode="auto">
+          <a:xfrm>
+            <a:off x="2195736" y="598627"/>
+            <a:ext cx="346252" cy="346252"/>
+          </a:xfrm>
+          <a:prstGeom prst="rect">
+            <a:avLst/>
+          </a:prstGeom>
+          <a:noFill/>
+          <a:extLst>
+            <a:ext uri="{909E8E84-426E-40DD-AFC4-6F175D3DCCD1}">
+              <a14:hiddenFill xmlns:a14="http://schemas.microsoft.com/office/drawing/2010/main">
+                <a:solidFill>
+                  <a:srgbClr val="FFFFFF"/>
+                </a:solidFill>
+              </a14:hiddenFill>
+            </a:ext>
+          </a:extLst>
+        </p:spPr>
+      </p:pic>
+      <p:sp>
+        <p:nvSpPr>
+          <p:cNvPr id="18" name="TextBox 17"/>
+          <p:cNvSpPr txBox="1"/>
+          <p:nvPr/>
+        </p:nvSpPr>
+        <p:spPr>
+          <a:xfrm>
+            <a:off x="2699792" y="611396"/>
+            <a:ext cx="618178" cy="369332"/>
+          </a:xfrm>
+          <a:prstGeom prst="rect">
+            <a:avLst/>
+          </a:prstGeom>
+          <a:noFill/>
+        </p:spPr>
+        <p:txBody>
+          <a:bodyPr wrap="square" rtlCol="0">
+            <a:spAutoFit/>
+          </a:bodyPr>
+          <a:lstStyle/>
+          <a:p>
+            <a:pPr algn="ctr"/>
+            <a:r>
+              <a:rPr lang="en-US" altLang="ko-KR" dirty="0" smtClean="0"/>
+              <a:t>999</a:t>
+            </a:r>
+            <a:endParaRPr lang="ko-KR" altLang="en-US" dirty="0"/>
+          </a:p>
+        </p:txBody>
+      </p:sp>
+      <p:pic>
+        <p:nvPicPr>
+          <p:cNvPr id="3074" name="Picture 2" descr="C:\Users\hyun\Pictures\마녀 편의점\다운로드.jpg"/>
+          <p:cNvPicPr>
+            <a:picLocks noChangeAspect="1" noChangeArrowheads="1"/>
+          </p:cNvPicPr>
+          <p:nvPr/>
+        </p:nvPicPr>
+        <p:blipFill rotWithShape="1">
+          <a:blip r:embed="rId10">
+            <a:extLst>
+              <a:ext uri="{28A0092B-C50C-407E-A947-70E740481C1C}">
+                <a14:useLocalDpi xmlns:a14="http://schemas.microsoft.com/office/drawing/2010/main" val="0"/>
+              </a:ext>
+            </a:extLst>
+          </a:blip>
+          <a:srcRect b="50000"/>
+          <a:stretch/>
+        </p:blipFill>
+        <p:spPr bwMode="auto">
+          <a:xfrm>
+            <a:off x="3978331" y="114411"/>
+            <a:ext cx="1385757" cy="434269"/>
+          </a:xfrm>
+          <a:prstGeom prst="rect">
+            <a:avLst/>
+          </a:prstGeom>
+          <a:noFill/>
+          <a:extLst>
+            <a:ext uri="{909E8E84-426E-40DD-AFC4-6F175D3DCCD1}">
+              <a14:hiddenFill xmlns:a14="http://schemas.microsoft.com/office/drawing/2010/main">
+                <a:solidFill>
+                  <a:srgbClr val="FFFFFF"/>
+                </a:solidFill>
+              </a14:hiddenFill>
+            </a:ext>
+          </a:extLst>
+        </p:spPr>
+      </p:pic>
+    </p:spTree>
+    <p:extLst>
+      <p:ext uri="{BB962C8B-B14F-4D97-AF65-F5344CB8AC3E}">
+        <p14:creationId xmlns:p14="http://schemas.microsoft.com/office/powerpoint/2010/main" val="442399270"/>
+      </p:ext>
+    </p:extLst>
+  </p:cSld>
+  <p:clrMapOvr>
+    <a:masterClrMapping/>
+  </p:clrMapOvr>
+</p:sld>
+</file>
+
+<file path=ppt/slides/slide4.xml><?xml version="1.0" encoding="utf-8"?>
+<p:sld xmlns:a="http://schemas.openxmlformats.org/drawingml/2006/main" xmlns:r="http://schemas.openxmlformats.org/officeDocument/2006/relationships" xmlns:p="http://schemas.openxmlformats.org/presentationml/2006/main">
+  <p:cSld>
+    <p:spTree>
+      <p:nvGrpSpPr>
+        <p:cNvPr id="1" name=""/>
+        <p:cNvGrpSpPr/>
+        <p:nvPr/>
+      </p:nvGrpSpPr>
+      <p:grpSpPr>
+        <a:xfrm>
+          <a:off x="0" y="0"/>
+          <a:ext cx="0" cy="0"/>
+          <a:chOff x="0" y="0"/>
+          <a:chExt cx="0" cy="0"/>
+        </a:xfrm>
+      </p:grpSpPr>
+      <p:sp>
+        <p:nvSpPr>
+          <p:cNvPr id="2" name="슬라이드 번호 개체 틀 1"/>
+          <p:cNvSpPr>
+            <a:spLocks noGrp="1"/>
+          </p:cNvSpPr>
+          <p:nvPr>
+            <p:ph type="sldNum" sz="quarter" idx="12"/>
+          </p:nvPr>
+        </p:nvSpPr>
+        <p:spPr/>
+        <p:txBody>
+          <a:bodyPr/>
+          <a:lstStyle/>
+          <a:p>
+            <a:fld id="{4BEDD84E-25D4-4983-8AA1-2863C96F08D9}" type="slidenum">
+              <a:rPr lang="ko-KR" altLang="en-US" smtClean="0"/>
+              <a:t>4</a:t>
+            </a:fld>
+            <a:endParaRPr lang="ko-KR" altLang="en-US"/>
+          </a:p>
+        </p:txBody>
+      </p:sp>
+      <p:pic>
+        <p:nvPicPr>
+          <p:cNvPr id="1027" name="Picture 3" descr="C:\Users\hyun\Pictures\마녀 편의점\시계.jpg"/>
+          <p:cNvPicPr>
+            <a:picLocks noChangeAspect="1" noChangeArrowheads="1"/>
+          </p:cNvPicPr>
+          <p:nvPr/>
+        </p:nvPicPr>
+        <p:blipFill>
+          <a:blip r:embed="rId2">
+            <a:extLst>
+              <a:ext uri="{28A0092B-C50C-407E-A947-70E740481C1C}">
+                <a14:useLocalDpi xmlns:a14="http://schemas.microsoft.com/office/drawing/2010/main" val="0"/>
+              </a:ext>
+            </a:extLst>
+          </a:blip>
+          <a:srcRect/>
+          <a:stretch>
+            <a:fillRect/>
+          </a:stretch>
+        </p:blipFill>
+        <p:spPr bwMode="auto">
+          <a:xfrm>
+            <a:off x="0" y="383344"/>
+            <a:ext cx="9144000" cy="6091311"/>
+          </a:xfrm>
+          <a:prstGeom prst="rect">
+            <a:avLst/>
+          </a:prstGeom>
+          <a:noFill/>
+          <a:extLst>
+            <a:ext uri="{909E8E84-426E-40DD-AFC4-6F175D3DCCD1}">
+              <a14:hiddenFill xmlns:a14="http://schemas.microsoft.com/office/drawing/2010/main">
+                <a:solidFill>
+                  <a:srgbClr val="FFFFFF"/>
+                </a:solidFill>
+              </a14:hiddenFill>
+            </a:ext>
+          </a:extLst>
+        </p:spPr>
+      </p:pic>
+    </p:spTree>
+    <p:extLst>
+      <p:ext uri="{BB962C8B-B14F-4D97-AF65-F5344CB8AC3E}">
+        <p14:creationId xmlns:p14="http://schemas.microsoft.com/office/powerpoint/2010/main" val="2539180705"/>
+      </p:ext>
+    </p:extLst>
+  </p:cSld>
+  <p:clrMapOvr>
+    <a:masterClrMapping/>
+  </p:clrMapOvr>
+</p:sld>
+</file>
+
+<file path=ppt/slides/slide5.xml><?xml version="1.0" encoding="utf-8"?>
+<p:sld xmlns:a="http://schemas.openxmlformats.org/drawingml/2006/main" xmlns:r="http://schemas.openxmlformats.org/officeDocument/2006/relationships" xmlns:p="http://schemas.openxmlformats.org/presentationml/2006/main">
+  <p:cSld>
+    <p:spTree>
+      <p:nvGrpSpPr>
+        <p:cNvPr id="1" name=""/>
+        <p:cNvGrpSpPr/>
+        <p:nvPr/>
+      </p:nvGrpSpPr>
+      <p:grpSpPr>
+        <a:xfrm>
+          <a:off x="0" y="0"/>
+          <a:ext cx="0" cy="0"/>
+          <a:chOff x="0" y="0"/>
+          <a:chExt cx="0" cy="0"/>
+        </a:xfrm>
+      </p:grpSpPr>
+      <p:sp>
+        <p:nvSpPr>
+          <p:cNvPr id="2" name="슬라이드 번호 개체 틀 1"/>
+          <p:cNvSpPr>
+            <a:spLocks noGrp="1"/>
+          </p:cNvSpPr>
+          <p:nvPr>
+            <p:ph type="sldNum" sz="quarter" idx="12"/>
+          </p:nvPr>
+        </p:nvSpPr>
+        <p:spPr/>
+        <p:txBody>
+          <a:bodyPr/>
+          <a:lstStyle/>
+          <a:p>
+            <a:fld id="{4BEDD84E-25D4-4983-8AA1-2863C96F08D9}" type="slidenum">
+              <a:rPr lang="ko-KR" altLang="en-US" smtClean="0"/>
+              <a:t>5</a:t>
+            </a:fld>
+            <a:endParaRPr lang="ko-KR" altLang="en-US"/>
+          </a:p>
+        </p:txBody>
+      </p:sp>
+      <p:graphicFrame>
+        <p:nvGraphicFramePr>
+          <p:cNvPr id="3" name="표 2"/>
+          <p:cNvGraphicFramePr>
+            <a:graphicFrameLocks noGrp="1"/>
+          </p:cNvGraphicFramePr>
+          <p:nvPr>
+            <p:extLst>
+              <p:ext uri="{D42A27DB-BD31-4B8C-83A1-F6EECF244321}">
+                <p14:modId xmlns:p14="http://schemas.microsoft.com/office/powerpoint/2010/main" val="282469607"/>
+              </p:ext>
+            </p:extLst>
+          </p:nvPr>
+        </p:nvGraphicFramePr>
+        <p:xfrm>
+          <a:off x="611560" y="1412776"/>
+          <a:ext cx="4064000" cy="1854200"/>
+        </p:xfrm>
+        <a:graphic>
+          <a:graphicData uri="http://schemas.openxmlformats.org/drawingml/2006/table">
+            <a:tbl>
+              <a:tblPr firstRow="1" bandRow="1">
+                <a:tableStyleId>{5C22544A-7EE6-4342-B048-85BDC9FD1C3A}</a:tableStyleId>
+              </a:tblPr>
+              <a:tblGrid>
+                <a:gridCol w="2032000"/>
+                <a:gridCol w="2032000"/>
+              </a:tblGrid>
+              <a:tr h="370840">
+                <a:tc>
+                  <a:txBody>
+                    <a:bodyPr/>
+                    <a:lstStyle/>
+                    <a:p>
+                      <a:pPr latinLnBrk="1"/>
+                      <a:endParaRPr lang="ko-KR" altLang="en-US" dirty="0"/>
+                    </a:p>
+                  </a:txBody>
+                  <a:tcPr/>
+                </a:tc>
+                <a:tc>
+                  <a:txBody>
+                    <a:bodyPr/>
+                    <a:lstStyle/>
+                    <a:p>
+                      <a:pPr latinLnBrk="1"/>
+                      <a:endParaRPr lang="ko-KR" altLang="en-US"/>
+                    </a:p>
+                  </a:txBody>
+                  <a:tcPr/>
+                </a:tc>
+              </a:tr>
+              <a:tr h="370840">
+                <a:tc>
+                  <a:txBody>
+                    <a:bodyPr/>
+                    <a:lstStyle/>
+                    <a:p>
+                      <a:pPr latinLnBrk="1"/>
+                      <a:r>
+                        <a:rPr lang="ko-KR" altLang="en-US" dirty="0" smtClean="0"/>
+                        <a:t>신선</a:t>
+                      </a:r>
+                      <a:endParaRPr lang="en-US" altLang="ko-KR" dirty="0" smtClean="0"/>
+                    </a:p>
+                  </a:txBody>
+                  <a:tcPr/>
+                </a:tc>
+                <a:tc>
+                  <a:txBody>
+                    <a:bodyPr/>
+                    <a:lstStyle/>
+                    <a:p>
+                      <a:pPr latinLnBrk="1"/>
+                      <a:r>
+                        <a:rPr lang="ko-KR" altLang="en-US" dirty="0" smtClean="0"/>
+                        <a:t>화분 아이콘</a:t>
+                      </a:r>
+                      <a:endParaRPr lang="ko-KR" altLang="en-US" dirty="0"/>
+                    </a:p>
+                  </a:txBody>
+                  <a:tcPr/>
+                </a:tc>
+              </a:tr>
+              <a:tr h="370840">
+                <a:tc>
+                  <a:txBody>
+                    <a:bodyPr/>
+                    <a:lstStyle/>
+                    <a:p>
+                      <a:pPr latinLnBrk="1"/>
+                      <a:r>
+                        <a:rPr lang="ko-KR" altLang="en-US" dirty="0" smtClean="0"/>
+                        <a:t>청결</a:t>
+                      </a:r>
+                      <a:endParaRPr lang="ko-KR" altLang="en-US" dirty="0"/>
+                    </a:p>
+                  </a:txBody>
+                  <a:tcPr/>
+                </a:tc>
+                <a:tc>
+                  <a:txBody>
+                    <a:bodyPr/>
+                    <a:lstStyle/>
+                    <a:p>
+                      <a:pPr latinLnBrk="1"/>
+                      <a:r>
+                        <a:rPr lang="ko-KR" altLang="en-US" dirty="0" smtClean="0"/>
+                        <a:t>빗자루 아이콘</a:t>
+                      </a:r>
+                      <a:endParaRPr lang="ko-KR" altLang="en-US" dirty="0"/>
+                    </a:p>
+                  </a:txBody>
+                  <a:tcPr/>
+                </a:tc>
+              </a:tr>
+              <a:tr h="370840">
+                <a:tc>
+                  <a:txBody>
+                    <a:bodyPr/>
+                    <a:lstStyle/>
+                    <a:p>
+                      <a:pPr latinLnBrk="1"/>
+                      <a:r>
+                        <a:rPr lang="ko-KR" altLang="en-US" dirty="0" smtClean="0"/>
+                        <a:t>매력</a:t>
+                      </a:r>
+                      <a:endParaRPr lang="ko-KR" altLang="en-US" dirty="0"/>
+                    </a:p>
+                  </a:txBody>
+                  <a:tcPr/>
+                </a:tc>
+                <a:tc>
+                  <a:txBody>
+                    <a:bodyPr/>
+                    <a:lstStyle/>
+                    <a:p>
+                      <a:pPr latinLnBrk="1"/>
+                      <a:r>
+                        <a:rPr lang="ko-KR" altLang="en-US" dirty="0" smtClean="0"/>
+                        <a:t>쇼핑백 아이콘</a:t>
+                      </a:r>
+                      <a:endParaRPr lang="ko-KR" altLang="en-US" dirty="0"/>
+                    </a:p>
+                  </a:txBody>
+                  <a:tcPr/>
+                </a:tc>
+              </a:tr>
+              <a:tr h="370840">
+                <a:tc>
+                  <a:txBody>
+                    <a:bodyPr/>
+                    <a:lstStyle/>
+                    <a:p>
+                      <a:pPr latinLnBrk="1"/>
+                      <a:r>
+                        <a:rPr lang="ko-KR" altLang="en-US" dirty="0" smtClean="0"/>
+                        <a:t>쾌적</a:t>
+                      </a:r>
+                      <a:endParaRPr lang="ko-KR" altLang="en-US" dirty="0"/>
+                    </a:p>
+                  </a:txBody>
+                  <a:tcPr/>
+                </a:tc>
+                <a:tc>
+                  <a:txBody>
+                    <a:bodyPr/>
+                    <a:lstStyle/>
+                    <a:p>
+                      <a:pPr latinLnBrk="1"/>
+                      <a:r>
+                        <a:rPr lang="ko-KR" altLang="en-US" dirty="0" smtClean="0"/>
+                        <a:t>웃는 아이콘</a:t>
+                      </a:r>
+                      <a:endParaRPr lang="ko-KR" altLang="en-US" dirty="0"/>
+                    </a:p>
+                  </a:txBody>
+                  <a:tcPr/>
+                </a:tc>
+              </a:tr>
+            </a:tbl>
+          </a:graphicData>
+        </a:graphic>
+      </p:graphicFrame>
+    </p:spTree>
+    <p:extLst>
+      <p:ext uri="{BB962C8B-B14F-4D97-AF65-F5344CB8AC3E}">
+        <p14:creationId xmlns:p14="http://schemas.microsoft.com/office/powerpoint/2010/main" val="1052450284"/>
       </p:ext>
     </p:extLst>
   </p:cSld>
